--- a/doc/Gatherhub Logo Design.pptx
+++ b/doc/Gatherhub Logo Design.pptx
@@ -5,7 +5,8 @@
     <p:sldMasterId id="2147483648" r:id="rId1"/>
   </p:sldMasterIdLst>
   <p:sldIdLst>
-    <p:sldId id="256" r:id="rId2"/>
+    <p:sldId id="259" r:id="rId2"/>
+    <p:sldId id="260" r:id="rId3"/>
   </p:sldIdLst>
   <p:sldSz cx="12192000" cy="6858000"/>
   <p:notesSz cx="6858000" cy="9144000"/>
@@ -104,6 +105,11 @@
       </a:defRPr>
     </a:lvl9pPr>
   </p:defaultTextStyle>
+  <p:extLst>
+    <p:ext uri="{EFAFB233-063F-42B5-8137-9DF3F51BA10A}">
+      <p15:sldGuideLst xmlns:p15="http://schemas.microsoft.com/office/powerpoint/2012/main"/>
+    </p:ext>
+  </p:extLst>
 </p:presentation>
 </file>
 
@@ -238,7 +244,7 @@
           <a:p>
             <a:fld id="{73680103-AB56-4F9D-BE0E-59461A33525C}" type="datetimeFigureOut">
               <a:rPr lang="zh-TW" altLang="en-US" smtClean="0"/>
-              <a:t>2015/11/15</a:t>
+              <a:t>2015/12/23</a:t>
             </a:fld>
             <a:endParaRPr lang="zh-TW" altLang="en-US"/>
           </a:p>
@@ -408,7 +414,7 @@
           <a:p>
             <a:fld id="{73680103-AB56-4F9D-BE0E-59461A33525C}" type="datetimeFigureOut">
               <a:rPr lang="zh-TW" altLang="en-US" smtClean="0"/>
-              <a:t>2015/11/15</a:t>
+              <a:t>2015/12/23</a:t>
             </a:fld>
             <a:endParaRPr lang="zh-TW" altLang="en-US"/>
           </a:p>
@@ -588,7 +594,7 @@
           <a:p>
             <a:fld id="{73680103-AB56-4F9D-BE0E-59461A33525C}" type="datetimeFigureOut">
               <a:rPr lang="zh-TW" altLang="en-US" smtClean="0"/>
-              <a:t>2015/11/15</a:t>
+              <a:t>2015/12/23</a:t>
             </a:fld>
             <a:endParaRPr lang="zh-TW" altLang="en-US"/>
           </a:p>
@@ -758,7 +764,7 @@
           <a:p>
             <a:fld id="{73680103-AB56-4F9D-BE0E-59461A33525C}" type="datetimeFigureOut">
               <a:rPr lang="zh-TW" altLang="en-US" smtClean="0"/>
-              <a:t>2015/11/15</a:t>
+              <a:t>2015/12/23</a:t>
             </a:fld>
             <a:endParaRPr lang="zh-TW" altLang="en-US"/>
           </a:p>
@@ -1004,7 +1010,7 @@
           <a:p>
             <a:fld id="{73680103-AB56-4F9D-BE0E-59461A33525C}" type="datetimeFigureOut">
               <a:rPr lang="zh-TW" altLang="en-US" smtClean="0"/>
-              <a:t>2015/11/15</a:t>
+              <a:t>2015/12/23</a:t>
             </a:fld>
             <a:endParaRPr lang="zh-TW" altLang="en-US"/>
           </a:p>
@@ -1236,7 +1242,7 @@
           <a:p>
             <a:fld id="{73680103-AB56-4F9D-BE0E-59461A33525C}" type="datetimeFigureOut">
               <a:rPr lang="zh-TW" altLang="en-US" smtClean="0"/>
-              <a:t>2015/11/15</a:t>
+              <a:t>2015/12/23</a:t>
             </a:fld>
             <a:endParaRPr lang="zh-TW" altLang="en-US"/>
           </a:p>
@@ -1603,7 +1609,7 @@
           <a:p>
             <a:fld id="{73680103-AB56-4F9D-BE0E-59461A33525C}" type="datetimeFigureOut">
               <a:rPr lang="zh-TW" altLang="en-US" smtClean="0"/>
-              <a:t>2015/11/15</a:t>
+              <a:t>2015/12/23</a:t>
             </a:fld>
             <a:endParaRPr lang="zh-TW" altLang="en-US"/>
           </a:p>
@@ -1721,7 +1727,7 @@
           <a:p>
             <a:fld id="{73680103-AB56-4F9D-BE0E-59461A33525C}" type="datetimeFigureOut">
               <a:rPr lang="zh-TW" altLang="en-US" smtClean="0"/>
-              <a:t>2015/11/15</a:t>
+              <a:t>2015/12/23</a:t>
             </a:fld>
             <a:endParaRPr lang="zh-TW" altLang="en-US"/>
           </a:p>
@@ -1816,7 +1822,7 @@
           <a:p>
             <a:fld id="{73680103-AB56-4F9D-BE0E-59461A33525C}" type="datetimeFigureOut">
               <a:rPr lang="zh-TW" altLang="en-US" smtClean="0"/>
-              <a:t>2015/11/15</a:t>
+              <a:t>2015/12/23</a:t>
             </a:fld>
             <a:endParaRPr lang="zh-TW" altLang="en-US"/>
           </a:p>
@@ -2093,7 +2099,7 @@
           <a:p>
             <a:fld id="{73680103-AB56-4F9D-BE0E-59461A33525C}" type="datetimeFigureOut">
               <a:rPr lang="zh-TW" altLang="en-US" smtClean="0"/>
-              <a:t>2015/11/15</a:t>
+              <a:t>2015/12/23</a:t>
             </a:fld>
             <a:endParaRPr lang="zh-TW" altLang="en-US"/>
           </a:p>
@@ -2346,7 +2352,7 @@
           <a:p>
             <a:fld id="{73680103-AB56-4F9D-BE0E-59461A33525C}" type="datetimeFigureOut">
               <a:rPr lang="zh-TW" altLang="en-US" smtClean="0"/>
-              <a:t>2015/11/15</a:t>
+              <a:t>2015/12/23</a:t>
             </a:fld>
             <a:endParaRPr lang="zh-TW" altLang="en-US"/>
           </a:p>
@@ -2559,7 +2565,7 @@
           <a:p>
             <a:fld id="{73680103-AB56-4F9D-BE0E-59461A33525C}" type="datetimeFigureOut">
               <a:rPr lang="zh-TW" altLang="en-US" smtClean="0"/>
-              <a:t>2015/11/15</a:t>
+              <a:t>2015/12/23</a:t>
             </a:fld>
             <a:endParaRPr lang="zh-TW" altLang="en-US"/>
           </a:p>
@@ -2964,41 +2970,639 @@
           <a:chExt cx="0" cy="0"/>
         </a:xfrm>
       </p:grpSpPr>
+      <p:sp>
+        <p:nvSpPr>
+          <p:cNvPr id="35" name="文本框 34"/>
+          <p:cNvSpPr txBox="1"/>
+          <p:nvPr/>
+        </p:nvSpPr>
+        <p:spPr>
+          <a:xfrm>
+            <a:off x="3416582" y="4439385"/>
+            <a:ext cx="5002306" cy="1200329"/>
+          </a:xfrm>
+          <a:prstGeom prst="rect">
+            <a:avLst/>
+          </a:prstGeom>
+          <a:noFill/>
+        </p:spPr>
+        <p:txBody>
+          <a:bodyPr wrap="square" rtlCol="0">
+            <a:spAutoFit/>
+          </a:bodyPr>
+          <a:lstStyle/>
+          <a:p>
+            <a:pPr algn="ctr"/>
+            <a:r>
+              <a:rPr lang="en-US" altLang="zh-TW" sz="7200" dirty="0" smtClean="0">
+                <a:latin typeface="华文细黑" panose="02010600040101010101" pitchFamily="2" charset="-122"/>
+                <a:ea typeface="华文细黑" panose="02010600040101010101" pitchFamily="2" charset="-122"/>
+              </a:rPr>
+              <a:t>gatherhub</a:t>
+            </a:r>
+            <a:endParaRPr lang="zh-TW" altLang="en-US" sz="7200" dirty="0">
+              <a:latin typeface="华文细黑" panose="02010600040101010101" pitchFamily="2" charset="-122"/>
+              <a:ea typeface="华文细黑" panose="02010600040101010101" pitchFamily="2" charset="-122"/>
+            </a:endParaRPr>
+          </a:p>
+        </p:txBody>
+      </p:sp>
       <p:grpSp>
         <p:nvGrpSpPr>
-          <p:cNvPr id="34" name="组合 33"/>
+          <p:cNvPr id="12" name="组合 11"/>
           <p:cNvGrpSpPr/>
           <p:nvPr/>
         </p:nvGrpSpPr>
         <p:grpSpPr>
           <a:xfrm>
-            <a:off x="4365583" y="848094"/>
-            <a:ext cx="3104305" cy="3069706"/>
-            <a:chOff x="4432818" y="1829729"/>
-            <a:chExt cx="3104305" cy="3069706"/>
+            <a:off x="4719698" y="1181078"/>
+            <a:ext cx="2396073" cy="2396073"/>
+            <a:chOff x="4719696" y="1181078"/>
+            <a:chExt cx="2396073" cy="2396073"/>
           </a:xfrm>
         </p:grpSpPr>
         <p:sp>
           <p:nvSpPr>
-            <p:cNvPr id="32" name="圆角矩形 31"/>
+            <p:cNvPr id="19" name="等腰三角形 18"/>
             <p:cNvSpPr/>
             <p:nvPr/>
           </p:nvSpPr>
           <p:spPr>
-            <a:xfrm>
-              <a:off x="4454970" y="1829729"/>
-              <a:ext cx="3060000" cy="3060000"/>
+            <a:xfrm rot="2700000">
+              <a:off x="4719697" y="2935596"/>
+              <a:ext cx="737419" cy="545691"/>
             </a:xfrm>
-            <a:prstGeom prst="roundRect">
+            <a:prstGeom prst="triangle">
               <a:avLst/>
             </a:prstGeom>
             <a:solidFill>
-              <a:schemeClr val="tx1"/>
+              <a:srgbClr val="0070C0"/>
+            </a:solidFill>
+            <a:ln>
+              <a:noFill/>
+            </a:ln>
+          </p:spPr>
+          <p:style>
+            <a:lnRef idx="2">
+              <a:schemeClr val="dk1">
+                <a:shade val="50000"/>
+              </a:schemeClr>
+            </a:lnRef>
+            <a:fillRef idx="1">
+              <a:schemeClr val="dk1"/>
+            </a:fillRef>
+            <a:effectRef idx="0">
+              <a:schemeClr val="dk1"/>
+            </a:effectRef>
+            <a:fontRef idx="minor">
+              <a:schemeClr val="lt1"/>
+            </a:fontRef>
+          </p:style>
+          <p:txBody>
+            <a:bodyPr rtlCol="0" anchor="ctr"/>
+            <a:lstStyle/>
+            <a:p>
+              <a:pPr algn="ctr"/>
+              <a:endParaRPr lang="zh-TW" altLang="en-US">
+                <a:latin typeface="华文细黑" panose="02010600040101010101" pitchFamily="2" charset="-122"/>
+                <a:ea typeface="华文细黑" panose="02010600040101010101" pitchFamily="2" charset="-122"/>
+              </a:endParaRPr>
+            </a:p>
+          </p:txBody>
+        </p:sp>
+        <p:sp>
+          <p:nvSpPr>
+            <p:cNvPr id="20" name="等腰三角形 19"/>
+            <p:cNvSpPr/>
+            <p:nvPr/>
+          </p:nvSpPr>
+          <p:spPr>
+            <a:xfrm rot="2700000" flipV="1">
+              <a:off x="6378351" y="1276942"/>
+              <a:ext cx="737419" cy="545691"/>
+            </a:xfrm>
+            <a:prstGeom prst="triangle">
+              <a:avLst/>
+            </a:prstGeom>
+            <a:solidFill>
+              <a:srgbClr val="0070C0"/>
+            </a:solidFill>
+            <a:ln>
+              <a:noFill/>
+            </a:ln>
+          </p:spPr>
+          <p:style>
+            <a:lnRef idx="2">
+              <a:schemeClr val="dk1">
+                <a:shade val="50000"/>
+              </a:schemeClr>
+            </a:lnRef>
+            <a:fillRef idx="1">
+              <a:schemeClr val="dk1"/>
+            </a:fillRef>
+            <a:effectRef idx="0">
+              <a:schemeClr val="dk1"/>
+            </a:effectRef>
+            <a:fontRef idx="minor">
+              <a:schemeClr val="lt1"/>
+            </a:fontRef>
+          </p:style>
+          <p:txBody>
+            <a:bodyPr rtlCol="0" anchor="ctr"/>
+            <a:lstStyle/>
+            <a:p>
+              <a:pPr algn="ctr"/>
+              <a:endParaRPr lang="zh-TW" altLang="en-US">
+                <a:latin typeface="华文细黑" panose="02010600040101010101" pitchFamily="2" charset="-122"/>
+                <a:ea typeface="华文细黑" panose="02010600040101010101" pitchFamily="2" charset="-122"/>
+              </a:endParaRPr>
+            </a:p>
+          </p:txBody>
+        </p:sp>
+        <p:sp>
+          <p:nvSpPr>
+            <p:cNvPr id="21" name="等腰三角形 20"/>
+            <p:cNvSpPr/>
+            <p:nvPr/>
+          </p:nvSpPr>
+          <p:spPr>
+            <a:xfrm rot="8100000">
+              <a:off x="4719696" y="1276942"/>
+              <a:ext cx="737419" cy="545691"/>
+            </a:xfrm>
+            <a:prstGeom prst="triangle">
+              <a:avLst/>
+            </a:prstGeom>
+            <a:solidFill>
+              <a:srgbClr val="0070C0"/>
+            </a:solidFill>
+            <a:ln>
+              <a:noFill/>
+            </a:ln>
+          </p:spPr>
+          <p:style>
+            <a:lnRef idx="2">
+              <a:schemeClr val="dk1">
+                <a:shade val="50000"/>
+              </a:schemeClr>
+            </a:lnRef>
+            <a:fillRef idx="1">
+              <a:schemeClr val="dk1"/>
+            </a:fillRef>
+            <a:effectRef idx="0">
+              <a:schemeClr val="dk1"/>
+            </a:effectRef>
+            <a:fontRef idx="minor">
+              <a:schemeClr val="lt1"/>
+            </a:fontRef>
+          </p:style>
+          <p:txBody>
+            <a:bodyPr rtlCol="0" anchor="ctr"/>
+            <a:lstStyle/>
+            <a:p>
+              <a:pPr algn="ctr"/>
+              <a:endParaRPr lang="zh-TW" altLang="en-US">
+                <a:latin typeface="华文细黑" panose="02010600040101010101" pitchFamily="2" charset="-122"/>
+                <a:ea typeface="华文细黑" panose="02010600040101010101" pitchFamily="2" charset="-122"/>
+              </a:endParaRPr>
+            </a:p>
+          </p:txBody>
+        </p:sp>
+        <p:sp>
+          <p:nvSpPr>
+            <p:cNvPr id="22" name="等腰三角形 21"/>
+            <p:cNvSpPr/>
+            <p:nvPr/>
+          </p:nvSpPr>
+          <p:spPr>
+            <a:xfrm rot="18900000" flipH="1">
+              <a:off x="6378350" y="2935596"/>
+              <a:ext cx="737419" cy="545691"/>
+            </a:xfrm>
+            <a:prstGeom prst="triangle">
+              <a:avLst/>
+            </a:prstGeom>
+            <a:solidFill>
+              <a:srgbClr val="0070C0"/>
+            </a:solidFill>
+            <a:ln>
+              <a:noFill/>
+            </a:ln>
+          </p:spPr>
+          <p:style>
+            <a:lnRef idx="2">
+              <a:schemeClr val="dk1">
+                <a:shade val="50000"/>
+              </a:schemeClr>
+            </a:lnRef>
+            <a:fillRef idx="1">
+              <a:schemeClr val="dk1"/>
+            </a:fillRef>
+            <a:effectRef idx="0">
+              <a:schemeClr val="dk1"/>
+            </a:effectRef>
+            <a:fontRef idx="minor">
+              <a:schemeClr val="lt1"/>
+            </a:fontRef>
+          </p:style>
+          <p:txBody>
+            <a:bodyPr rtlCol="0" anchor="ctr"/>
+            <a:lstStyle/>
+            <a:p>
+              <a:pPr algn="ctr"/>
+              <a:endParaRPr lang="zh-TW" altLang="en-US">
+                <a:latin typeface="华文细黑" panose="02010600040101010101" pitchFamily="2" charset="-122"/>
+                <a:ea typeface="华文细黑" panose="02010600040101010101" pitchFamily="2" charset="-122"/>
+              </a:endParaRPr>
+            </a:p>
+          </p:txBody>
+        </p:sp>
+        <p:sp>
+          <p:nvSpPr>
+            <p:cNvPr id="23" name="任意多边形 22"/>
+            <p:cNvSpPr/>
+            <p:nvPr/>
+          </p:nvSpPr>
+          <p:spPr>
+            <a:xfrm rot="2700000">
+              <a:off x="5017733" y="1479114"/>
+              <a:ext cx="1800000" cy="1800000"/>
+            </a:xfrm>
+            <a:custGeom>
+              <a:avLst/>
+              <a:gdLst>
+                <a:gd name="connsiteX0" fmla="*/ 900000 w 1800000"/>
+                <a:gd name="connsiteY0" fmla="*/ 1445072 h 1800000"/>
+                <a:gd name="connsiteX1" fmla="*/ 1325943 w 1800000"/>
+                <a:gd name="connsiteY1" fmla="*/ 1607024 h 1800000"/>
+                <a:gd name="connsiteX2" fmla="*/ 1380434 w 1800000"/>
+                <a:gd name="connsiteY2" fmla="*/ 1660124 h 1800000"/>
+                <a:gd name="connsiteX3" fmla="*/ 1328994 w 1800000"/>
+                <a:gd name="connsiteY3" fmla="*/ 1691375 h 1800000"/>
+                <a:gd name="connsiteX4" fmla="*/ 900000 w 1800000"/>
+                <a:gd name="connsiteY4" fmla="*/ 1800000 h 1800000"/>
+                <a:gd name="connsiteX5" fmla="*/ 471007 w 1800000"/>
+                <a:gd name="connsiteY5" fmla="*/ 1691375 h 1800000"/>
+                <a:gd name="connsiteX6" fmla="*/ 419567 w 1800000"/>
+                <a:gd name="connsiteY6" fmla="*/ 1660124 h 1800000"/>
+                <a:gd name="connsiteX7" fmla="*/ 474058 w 1800000"/>
+                <a:gd name="connsiteY7" fmla="*/ 1607024 h 1800000"/>
+                <a:gd name="connsiteX8" fmla="*/ 900000 w 1800000"/>
+                <a:gd name="connsiteY8" fmla="*/ 1445072 h 1800000"/>
+                <a:gd name="connsiteX9" fmla="*/ 900001 w 1800000"/>
+                <a:gd name="connsiteY9" fmla="*/ 526394 h 1800000"/>
+                <a:gd name="connsiteX10" fmla="*/ 1260001 w 1800000"/>
+                <a:gd name="connsiteY10" fmla="*/ 886394 h 1800000"/>
+                <a:gd name="connsiteX11" fmla="*/ 900001 w 1800000"/>
+                <a:gd name="connsiteY11" fmla="*/ 1246394 h 1800000"/>
+                <a:gd name="connsiteX12" fmla="*/ 540001 w 1800000"/>
+                <a:gd name="connsiteY12" fmla="*/ 886394 h 1800000"/>
+                <a:gd name="connsiteX13" fmla="*/ 900001 w 1800000"/>
+                <a:gd name="connsiteY13" fmla="*/ 526394 h 1800000"/>
+                <a:gd name="connsiteX14" fmla="*/ 1660451 w 1800000"/>
+                <a:gd name="connsiteY14" fmla="*/ 420105 h 1800000"/>
+                <a:gd name="connsiteX15" fmla="*/ 1691375 w 1800000"/>
+                <a:gd name="connsiteY15" fmla="*/ 471007 h 1800000"/>
+                <a:gd name="connsiteX16" fmla="*/ 1800000 w 1800000"/>
+                <a:gd name="connsiteY16" fmla="*/ 900000 h 1800000"/>
+                <a:gd name="connsiteX17" fmla="*/ 1691375 w 1800000"/>
+                <a:gd name="connsiteY17" fmla="*/ 1328993 h 1800000"/>
+                <a:gd name="connsiteX18" fmla="*/ 1659595 w 1800000"/>
+                <a:gd name="connsiteY18" fmla="*/ 1381305 h 1800000"/>
+                <a:gd name="connsiteX19" fmla="*/ 1606761 w 1800000"/>
+                <a:gd name="connsiteY19" fmla="*/ 1327086 h 1800000"/>
+                <a:gd name="connsiteX20" fmla="*/ 1444809 w 1800000"/>
+                <a:gd name="connsiteY20" fmla="*/ 901144 h 1800000"/>
+                <a:gd name="connsiteX21" fmla="*/ 1606761 w 1800000"/>
+                <a:gd name="connsiteY21" fmla="*/ 475201 h 1800000"/>
+                <a:gd name="connsiteX22" fmla="*/ 139550 w 1800000"/>
+                <a:gd name="connsiteY22" fmla="*/ 420104 h 1800000"/>
+                <a:gd name="connsiteX23" fmla="*/ 193239 w 1800000"/>
+                <a:gd name="connsiteY23" fmla="*/ 475200 h 1800000"/>
+                <a:gd name="connsiteX24" fmla="*/ 355191 w 1800000"/>
+                <a:gd name="connsiteY24" fmla="*/ 901143 h 1800000"/>
+                <a:gd name="connsiteX25" fmla="*/ 193239 w 1800000"/>
+                <a:gd name="connsiteY25" fmla="*/ 1327085 h 1800000"/>
+                <a:gd name="connsiteX26" fmla="*/ 140405 w 1800000"/>
+                <a:gd name="connsiteY26" fmla="*/ 1381304 h 1800000"/>
+                <a:gd name="connsiteX27" fmla="*/ 108626 w 1800000"/>
+                <a:gd name="connsiteY27" fmla="*/ 1328993 h 1800000"/>
+                <a:gd name="connsiteX28" fmla="*/ 0 w 1800000"/>
+                <a:gd name="connsiteY28" fmla="*/ 900000 h 1800000"/>
+                <a:gd name="connsiteX29" fmla="*/ 108626 w 1800000"/>
+                <a:gd name="connsiteY29" fmla="*/ 471007 h 1800000"/>
+                <a:gd name="connsiteX30" fmla="*/ 900000 w 1800000"/>
+                <a:gd name="connsiteY30" fmla="*/ 0 h 1800000"/>
+                <a:gd name="connsiteX31" fmla="*/ 1328994 w 1800000"/>
+                <a:gd name="connsiteY31" fmla="*/ 108625 h 1800000"/>
+                <a:gd name="connsiteX32" fmla="*/ 1381879 w 1800000"/>
+                <a:gd name="connsiteY32" fmla="*/ 140754 h 1800000"/>
+                <a:gd name="connsiteX33" fmla="*/ 1325943 w 1800000"/>
+                <a:gd name="connsiteY33" fmla="*/ 195261 h 1800000"/>
+                <a:gd name="connsiteX34" fmla="*/ 900000 w 1800000"/>
+                <a:gd name="connsiteY34" fmla="*/ 357213 h 1800000"/>
+                <a:gd name="connsiteX35" fmla="*/ 474058 w 1800000"/>
+                <a:gd name="connsiteY35" fmla="*/ 195261 h 1800000"/>
+                <a:gd name="connsiteX36" fmla="*/ 418122 w 1800000"/>
+                <a:gd name="connsiteY36" fmla="*/ 140754 h 1800000"/>
+                <a:gd name="connsiteX37" fmla="*/ 471007 w 1800000"/>
+                <a:gd name="connsiteY37" fmla="*/ 108625 h 1800000"/>
+                <a:gd name="connsiteX38" fmla="*/ 900000 w 1800000"/>
+                <a:gd name="connsiteY38" fmla="*/ 0 h 1800000"/>
+              </a:gdLst>
+              <a:ahLst/>
+              <a:cxnLst>
+                <a:cxn ang="0">
+                  <a:pos x="connsiteX0" y="connsiteY0"/>
+                </a:cxn>
+                <a:cxn ang="0">
+                  <a:pos x="connsiteX1" y="connsiteY1"/>
+                </a:cxn>
+                <a:cxn ang="0">
+                  <a:pos x="connsiteX2" y="connsiteY2"/>
+                </a:cxn>
+                <a:cxn ang="0">
+                  <a:pos x="connsiteX3" y="connsiteY3"/>
+                </a:cxn>
+                <a:cxn ang="0">
+                  <a:pos x="connsiteX4" y="connsiteY4"/>
+                </a:cxn>
+                <a:cxn ang="0">
+                  <a:pos x="connsiteX5" y="connsiteY5"/>
+                </a:cxn>
+                <a:cxn ang="0">
+                  <a:pos x="connsiteX6" y="connsiteY6"/>
+                </a:cxn>
+                <a:cxn ang="0">
+                  <a:pos x="connsiteX7" y="connsiteY7"/>
+                </a:cxn>
+                <a:cxn ang="0">
+                  <a:pos x="connsiteX8" y="connsiteY8"/>
+                </a:cxn>
+                <a:cxn ang="0">
+                  <a:pos x="connsiteX9" y="connsiteY9"/>
+                </a:cxn>
+                <a:cxn ang="0">
+                  <a:pos x="connsiteX10" y="connsiteY10"/>
+                </a:cxn>
+                <a:cxn ang="0">
+                  <a:pos x="connsiteX11" y="connsiteY11"/>
+                </a:cxn>
+                <a:cxn ang="0">
+                  <a:pos x="connsiteX12" y="connsiteY12"/>
+                </a:cxn>
+                <a:cxn ang="0">
+                  <a:pos x="connsiteX13" y="connsiteY13"/>
+                </a:cxn>
+                <a:cxn ang="0">
+                  <a:pos x="connsiteX14" y="connsiteY14"/>
+                </a:cxn>
+                <a:cxn ang="0">
+                  <a:pos x="connsiteX15" y="connsiteY15"/>
+                </a:cxn>
+                <a:cxn ang="0">
+                  <a:pos x="connsiteX16" y="connsiteY16"/>
+                </a:cxn>
+                <a:cxn ang="0">
+                  <a:pos x="connsiteX17" y="connsiteY17"/>
+                </a:cxn>
+                <a:cxn ang="0">
+                  <a:pos x="connsiteX18" y="connsiteY18"/>
+                </a:cxn>
+                <a:cxn ang="0">
+                  <a:pos x="connsiteX19" y="connsiteY19"/>
+                </a:cxn>
+                <a:cxn ang="0">
+                  <a:pos x="connsiteX20" y="connsiteY20"/>
+                </a:cxn>
+                <a:cxn ang="0">
+                  <a:pos x="connsiteX21" y="connsiteY21"/>
+                </a:cxn>
+                <a:cxn ang="0">
+                  <a:pos x="connsiteX22" y="connsiteY22"/>
+                </a:cxn>
+                <a:cxn ang="0">
+                  <a:pos x="connsiteX23" y="connsiteY23"/>
+                </a:cxn>
+                <a:cxn ang="0">
+                  <a:pos x="connsiteX24" y="connsiteY24"/>
+                </a:cxn>
+                <a:cxn ang="0">
+                  <a:pos x="connsiteX25" y="connsiteY25"/>
+                </a:cxn>
+                <a:cxn ang="0">
+                  <a:pos x="connsiteX26" y="connsiteY26"/>
+                </a:cxn>
+                <a:cxn ang="0">
+                  <a:pos x="connsiteX27" y="connsiteY27"/>
+                </a:cxn>
+                <a:cxn ang="0">
+                  <a:pos x="connsiteX28" y="connsiteY28"/>
+                </a:cxn>
+                <a:cxn ang="0">
+                  <a:pos x="connsiteX29" y="connsiteY29"/>
+                </a:cxn>
+                <a:cxn ang="0">
+                  <a:pos x="connsiteX30" y="connsiteY30"/>
+                </a:cxn>
+                <a:cxn ang="0">
+                  <a:pos x="connsiteX31" y="connsiteY31"/>
+                </a:cxn>
+                <a:cxn ang="0">
+                  <a:pos x="connsiteX32" y="connsiteY32"/>
+                </a:cxn>
+                <a:cxn ang="0">
+                  <a:pos x="connsiteX33" y="connsiteY33"/>
+                </a:cxn>
+                <a:cxn ang="0">
+                  <a:pos x="connsiteX34" y="connsiteY34"/>
+                </a:cxn>
+                <a:cxn ang="0">
+                  <a:pos x="connsiteX35" y="connsiteY35"/>
+                </a:cxn>
+                <a:cxn ang="0">
+                  <a:pos x="connsiteX36" y="connsiteY36"/>
+                </a:cxn>
+                <a:cxn ang="0">
+                  <a:pos x="connsiteX37" y="connsiteY37"/>
+                </a:cxn>
+                <a:cxn ang="0">
+                  <a:pos x="connsiteX38" y="connsiteY38"/>
+                </a:cxn>
+              </a:cxnLst>
+              <a:rect l="l" t="t" r="r" b="b"/>
+              <a:pathLst>
+                <a:path w="1800000" h="1800000">
+                  <a:moveTo>
+                    <a:pt x="900000" y="1445072"/>
+                  </a:moveTo>
+                  <a:cubicBezTo>
+                    <a:pt x="1053812" y="1445072"/>
+                    <a:pt x="1198750" y="1503613"/>
+                    <a:pt x="1325943" y="1607024"/>
+                  </a:cubicBezTo>
+                  <a:lnTo>
+                    <a:pt x="1380434" y="1660124"/>
+                  </a:lnTo>
+                  <a:lnTo>
+                    <a:pt x="1328994" y="1691375"/>
+                  </a:lnTo>
+                  <a:cubicBezTo>
+                    <a:pt x="1201470" y="1760650"/>
+                    <a:pt x="1055330" y="1800000"/>
+                    <a:pt x="900000" y="1800000"/>
+                  </a:cubicBezTo>
+                  <a:cubicBezTo>
+                    <a:pt x="744670" y="1800000"/>
+                    <a:pt x="598531" y="1760650"/>
+                    <a:pt x="471007" y="1691375"/>
+                  </a:cubicBezTo>
+                  <a:lnTo>
+                    <a:pt x="419567" y="1660124"/>
+                  </a:lnTo>
+                  <a:lnTo>
+                    <a:pt x="474058" y="1607024"/>
+                  </a:lnTo>
+                  <a:cubicBezTo>
+                    <a:pt x="601251" y="1503613"/>
+                    <a:pt x="746189" y="1445072"/>
+                    <a:pt x="900000" y="1445072"/>
+                  </a:cubicBezTo>
+                  <a:close/>
+                  <a:moveTo>
+                    <a:pt x="900001" y="526394"/>
+                  </a:moveTo>
+                  <a:cubicBezTo>
+                    <a:pt x="1098824" y="526394"/>
+                    <a:pt x="1260001" y="687571"/>
+                    <a:pt x="1260001" y="886394"/>
+                  </a:cubicBezTo>
+                  <a:cubicBezTo>
+                    <a:pt x="1260001" y="1085217"/>
+                    <a:pt x="1098824" y="1246394"/>
+                    <a:pt x="900001" y="1246394"/>
+                  </a:cubicBezTo>
+                  <a:cubicBezTo>
+                    <a:pt x="701178" y="1246394"/>
+                    <a:pt x="540001" y="1085217"/>
+                    <a:pt x="540001" y="886394"/>
+                  </a:cubicBezTo>
+                  <a:cubicBezTo>
+                    <a:pt x="540001" y="687571"/>
+                    <a:pt x="701178" y="526394"/>
+                    <a:pt x="900001" y="526394"/>
+                  </a:cubicBezTo>
+                  <a:close/>
+                  <a:moveTo>
+                    <a:pt x="1660451" y="420105"/>
+                  </a:moveTo>
+                  <a:lnTo>
+                    <a:pt x="1691375" y="471007"/>
+                  </a:lnTo>
+                  <a:cubicBezTo>
+                    <a:pt x="1760650" y="598531"/>
+                    <a:pt x="1800000" y="744670"/>
+                    <a:pt x="1800000" y="900000"/>
+                  </a:cubicBezTo>
+                  <a:cubicBezTo>
+                    <a:pt x="1800000" y="1055330"/>
+                    <a:pt x="1760650" y="1201470"/>
+                    <a:pt x="1691375" y="1328993"/>
+                  </a:cubicBezTo>
+                  <a:lnTo>
+                    <a:pt x="1659595" y="1381305"/>
+                  </a:lnTo>
+                  <a:lnTo>
+                    <a:pt x="1606761" y="1327086"/>
+                  </a:lnTo>
+                  <a:cubicBezTo>
+                    <a:pt x="1503350" y="1199893"/>
+                    <a:pt x="1444809" y="1054955"/>
+                    <a:pt x="1444809" y="901144"/>
+                  </a:cubicBezTo>
+                  <a:cubicBezTo>
+                    <a:pt x="1444809" y="747333"/>
+                    <a:pt x="1503350" y="602394"/>
+                    <a:pt x="1606761" y="475201"/>
+                  </a:cubicBezTo>
+                  <a:close/>
+                  <a:moveTo>
+                    <a:pt x="139550" y="420104"/>
+                  </a:moveTo>
+                  <a:lnTo>
+                    <a:pt x="193239" y="475200"/>
+                  </a:lnTo>
+                  <a:cubicBezTo>
+                    <a:pt x="296650" y="602393"/>
+                    <a:pt x="355191" y="747332"/>
+                    <a:pt x="355191" y="901143"/>
+                  </a:cubicBezTo>
+                  <a:cubicBezTo>
+                    <a:pt x="355191" y="1054954"/>
+                    <a:pt x="296650" y="1199892"/>
+                    <a:pt x="193239" y="1327085"/>
+                  </a:cubicBezTo>
+                  <a:lnTo>
+                    <a:pt x="140405" y="1381304"/>
+                  </a:lnTo>
+                  <a:lnTo>
+                    <a:pt x="108626" y="1328993"/>
+                  </a:lnTo>
+                  <a:cubicBezTo>
+                    <a:pt x="39350" y="1201470"/>
+                    <a:pt x="0" y="1055330"/>
+                    <a:pt x="0" y="900000"/>
+                  </a:cubicBezTo>
+                  <a:cubicBezTo>
+                    <a:pt x="0" y="744670"/>
+                    <a:pt x="39350" y="598531"/>
+                    <a:pt x="108626" y="471007"/>
+                  </a:cubicBezTo>
+                  <a:close/>
+                  <a:moveTo>
+                    <a:pt x="900000" y="0"/>
+                  </a:moveTo>
+                  <a:cubicBezTo>
+                    <a:pt x="1055330" y="0"/>
+                    <a:pt x="1201470" y="39350"/>
+                    <a:pt x="1328994" y="108625"/>
+                  </a:cubicBezTo>
+                  <a:lnTo>
+                    <a:pt x="1381879" y="140754"/>
+                  </a:lnTo>
+                  <a:lnTo>
+                    <a:pt x="1325943" y="195261"/>
+                  </a:lnTo>
+                  <a:cubicBezTo>
+                    <a:pt x="1198750" y="298672"/>
+                    <a:pt x="1053812" y="357213"/>
+                    <a:pt x="900000" y="357213"/>
+                  </a:cubicBezTo>
+                  <a:cubicBezTo>
+                    <a:pt x="746189" y="357213"/>
+                    <a:pt x="601251" y="298672"/>
+                    <a:pt x="474058" y="195261"/>
+                  </a:cubicBezTo>
+                  <a:lnTo>
+                    <a:pt x="418122" y="140754"/>
+                  </a:lnTo>
+                  <a:lnTo>
+                    <a:pt x="471007" y="108625"/>
+                  </a:lnTo>
+                  <a:cubicBezTo>
+                    <a:pt x="598531" y="39350"/>
+                    <a:pt x="744670" y="0"/>
+                    <a:pt x="900000" y="0"/>
+                  </a:cubicBezTo>
+                  <a:close/>
+                </a:path>
+              </a:pathLst>
+            </a:custGeom>
+            <a:solidFill>
+              <a:srgbClr val="00B050"/>
             </a:solidFill>
             <a:ln w="101600">
-              <a:solidFill>
-                <a:schemeClr val="bg1"/>
-              </a:solidFill>
+              <a:noFill/>
             </a:ln>
           </p:spPr>
           <p:style>
@@ -3022,19 +3626,167 @@
             <a:lstStyle/>
             <a:p>
               <a:pPr algn="ctr"/>
-              <a:endParaRPr lang="zh-TW" altLang="en-US"/>
+              <a:endParaRPr lang="zh-TW" altLang="en-US">
+                <a:latin typeface="华文细黑" panose="02010600040101010101" pitchFamily="2" charset="-122"/>
+                <a:ea typeface="华文细黑" panose="02010600040101010101" pitchFamily="2" charset="-122"/>
+              </a:endParaRPr>
             </a:p>
           </p:txBody>
         </p:sp>
         <p:sp>
           <p:nvSpPr>
-            <p:cNvPr id="25" name="等腰三角形 24"/>
+            <p:cNvPr id="4" name="矩形 3"/>
             <p:cNvSpPr/>
             <p:nvPr/>
           </p:nvSpPr>
           <p:spPr>
-            <a:xfrm>
-              <a:off x="5616261" y="4353744"/>
+            <a:xfrm rot="2711038">
+              <a:off x="5504487" y="1961279"/>
+              <a:ext cx="826492" cy="806175"/>
+            </a:xfrm>
+            <a:prstGeom prst="rect">
+              <a:avLst/>
+            </a:prstGeom>
+            <a:solidFill>
+              <a:srgbClr val="0070C0"/>
+            </a:solidFill>
+            <a:ln>
+              <a:noFill/>
+            </a:ln>
+          </p:spPr>
+          <p:style>
+            <a:lnRef idx="2">
+              <a:schemeClr val="accent1">
+                <a:shade val="50000"/>
+              </a:schemeClr>
+            </a:lnRef>
+            <a:fillRef idx="1">
+              <a:schemeClr val="accent1"/>
+            </a:fillRef>
+            <a:effectRef idx="0">
+              <a:schemeClr val="accent1"/>
+            </a:effectRef>
+            <a:fontRef idx="minor">
+              <a:schemeClr val="lt1"/>
+            </a:fontRef>
+          </p:style>
+          <p:txBody>
+            <a:bodyPr rtlCol="0" anchor="ctr"/>
+            <a:lstStyle/>
+            <a:p>
+              <a:pPr algn="ctr"/>
+              <a:endParaRPr lang="zh-TW" altLang="en-US">
+                <a:latin typeface="华文细黑" panose="02010600040101010101" pitchFamily="2" charset="-122"/>
+                <a:ea typeface="华文细黑" panose="02010600040101010101" pitchFamily="2" charset="-122"/>
+              </a:endParaRPr>
+            </a:p>
+          </p:txBody>
+        </p:sp>
+      </p:grpSp>
+    </p:spTree>
+    <p:extLst>
+      <p:ext uri="{BB962C8B-B14F-4D97-AF65-F5344CB8AC3E}">
+        <p14:creationId xmlns:p14="http://schemas.microsoft.com/office/powerpoint/2010/main" val="3199070699"/>
+      </p:ext>
+    </p:extLst>
+  </p:cSld>
+  <p:clrMapOvr>
+    <a:masterClrMapping/>
+  </p:clrMapOvr>
+</p:sld>
+</file>
+
+<file path=ppt/slides/slide2.xml><?xml version="1.0" encoding="utf-8"?>
+<p:sld xmlns:a="http://schemas.openxmlformats.org/drawingml/2006/main" xmlns:r="http://schemas.openxmlformats.org/officeDocument/2006/relationships" xmlns:p="http://schemas.openxmlformats.org/presentationml/2006/main">
+  <p:cSld>
+    <p:bg>
+      <p:bgPr>
+        <a:solidFill>
+          <a:srgbClr val="0070C0"/>
+        </a:solidFill>
+        <a:effectLst/>
+      </p:bgPr>
+    </p:bg>
+    <p:spTree>
+      <p:nvGrpSpPr>
+        <p:cNvPr id="1" name=""/>
+        <p:cNvGrpSpPr/>
+        <p:nvPr/>
+      </p:nvGrpSpPr>
+      <p:grpSpPr>
+        <a:xfrm>
+          <a:off x="0" y="0"/>
+          <a:ext cx="0" cy="0"/>
+          <a:chOff x="0" y="0"/>
+          <a:chExt cx="0" cy="0"/>
+        </a:xfrm>
+      </p:grpSpPr>
+      <p:sp>
+        <p:nvSpPr>
+          <p:cNvPr id="35" name="文本框 34"/>
+          <p:cNvSpPr txBox="1"/>
+          <p:nvPr/>
+        </p:nvSpPr>
+        <p:spPr>
+          <a:xfrm>
+            <a:off x="3416582" y="4439385"/>
+            <a:ext cx="5002306" cy="1200329"/>
+          </a:xfrm>
+          <a:prstGeom prst="rect">
+            <a:avLst/>
+          </a:prstGeom>
+          <a:noFill/>
+        </p:spPr>
+        <p:txBody>
+          <a:bodyPr wrap="square" rtlCol="0">
+            <a:spAutoFit/>
+          </a:bodyPr>
+          <a:lstStyle/>
+          <a:p>
+            <a:pPr algn="ctr"/>
+            <a:r>
+              <a:rPr lang="en-US" altLang="zh-TW" sz="7200" dirty="0" smtClean="0">
+                <a:solidFill>
+                  <a:schemeClr val="bg1"/>
+                </a:solidFill>
+                <a:latin typeface="STXihei" panose="02010600040101010101" pitchFamily="2" charset="-122"/>
+                <a:ea typeface="STXihei" panose="02010600040101010101" pitchFamily="2" charset="-122"/>
+              </a:rPr>
+              <a:t>gatherhub</a:t>
+            </a:r>
+            <a:endParaRPr lang="zh-TW" altLang="en-US" sz="7200" dirty="0">
+              <a:solidFill>
+                <a:schemeClr val="bg1"/>
+              </a:solidFill>
+              <a:latin typeface="STXihei" panose="02010600040101010101" pitchFamily="2" charset="-122"/>
+              <a:ea typeface="STXihei" panose="02010600040101010101" pitchFamily="2" charset="-122"/>
+            </a:endParaRPr>
+          </a:p>
+        </p:txBody>
+      </p:sp>
+      <p:grpSp>
+        <p:nvGrpSpPr>
+          <p:cNvPr id="9" name="组合 8"/>
+          <p:cNvGrpSpPr/>
+          <p:nvPr/>
+        </p:nvGrpSpPr>
+        <p:grpSpPr>
+          <a:xfrm>
+            <a:off x="4719698" y="1181078"/>
+            <a:ext cx="2396073" cy="2396073"/>
+            <a:chOff x="4719696" y="1181078"/>
+            <a:chExt cx="2396073" cy="2396073"/>
+          </a:xfrm>
+        </p:grpSpPr>
+        <p:sp>
+          <p:nvSpPr>
+            <p:cNvPr id="10" name="等腰三角形 9"/>
+            <p:cNvSpPr/>
+            <p:nvPr/>
+          </p:nvSpPr>
+          <p:spPr>
+            <a:xfrm rot="2700000">
+              <a:off x="4719697" y="2935596"/>
               <a:ext cx="737419" cy="545691"/>
             </a:xfrm>
             <a:prstGeom prst="triangle">
@@ -3043,6 +3795,9 @@
             <a:solidFill>
               <a:schemeClr val="bg1"/>
             </a:solidFill>
+            <a:ln>
+              <a:noFill/>
+            </a:ln>
           </p:spPr>
           <p:style>
             <a:lnRef idx="2">
@@ -3065,19 +3820,22 @@
             <a:lstStyle/>
             <a:p>
               <a:pPr algn="ctr"/>
-              <a:endParaRPr lang="zh-TW" altLang="en-US"/>
+              <a:endParaRPr lang="zh-TW" altLang="en-US">
+                <a:latin typeface="华文细黑" panose="02010600040101010101" pitchFamily="2" charset="-122"/>
+                <a:ea typeface="华文细黑" panose="02010600040101010101" pitchFamily="2" charset="-122"/>
+              </a:endParaRPr>
             </a:p>
           </p:txBody>
         </p:sp>
         <p:sp>
           <p:nvSpPr>
-            <p:cNvPr id="26" name="等腰三角形 25"/>
+            <p:cNvPr id="11" name="等腰三角形 10"/>
             <p:cNvSpPr/>
             <p:nvPr/>
           </p:nvSpPr>
           <p:spPr>
-            <a:xfrm flipV="1">
-              <a:off x="5616261" y="1849521"/>
+            <a:xfrm rot="2700000" flipV="1">
+              <a:off x="6378351" y="1276942"/>
               <a:ext cx="737419" cy="545691"/>
             </a:xfrm>
             <a:prstGeom prst="triangle">
@@ -3086,6 +3844,9 @@
             <a:solidFill>
               <a:schemeClr val="bg1"/>
             </a:solidFill>
+            <a:ln>
+              <a:noFill/>
+            </a:ln>
           </p:spPr>
           <p:style>
             <a:lnRef idx="2">
@@ -3108,19 +3869,22 @@
             <a:lstStyle/>
             <a:p>
               <a:pPr algn="ctr"/>
-              <a:endParaRPr lang="zh-TW" altLang="en-US"/>
+              <a:endParaRPr lang="zh-TW" altLang="en-US">
+                <a:latin typeface="华文细黑" panose="02010600040101010101" pitchFamily="2" charset="-122"/>
+                <a:ea typeface="华文细黑" panose="02010600040101010101" pitchFamily="2" charset="-122"/>
+              </a:endParaRPr>
             </a:p>
           </p:txBody>
         </p:sp>
         <p:sp>
           <p:nvSpPr>
-            <p:cNvPr id="27" name="等腰三角形 26"/>
+            <p:cNvPr id="12" name="等腰三角形 11"/>
             <p:cNvSpPr/>
             <p:nvPr/>
           </p:nvSpPr>
           <p:spPr>
-            <a:xfrm rot="5400000">
-              <a:off x="4336954" y="3086884"/>
+            <a:xfrm rot="8100000">
+              <a:off x="4719696" y="1276942"/>
               <a:ext cx="737419" cy="545691"/>
             </a:xfrm>
             <a:prstGeom prst="triangle">
@@ -3129,6 +3893,9 @@
             <a:solidFill>
               <a:schemeClr val="bg1"/>
             </a:solidFill>
+            <a:ln>
+              <a:noFill/>
+            </a:ln>
           </p:spPr>
           <p:style>
             <a:lnRef idx="2">
@@ -3151,19 +3918,22 @@
             <a:lstStyle/>
             <a:p>
               <a:pPr algn="ctr"/>
-              <a:endParaRPr lang="zh-TW" altLang="en-US"/>
+              <a:endParaRPr lang="zh-TW" altLang="en-US">
+                <a:latin typeface="华文细黑" panose="02010600040101010101" pitchFamily="2" charset="-122"/>
+                <a:ea typeface="华文细黑" panose="02010600040101010101" pitchFamily="2" charset="-122"/>
+              </a:endParaRPr>
             </a:p>
           </p:txBody>
         </p:sp>
         <p:sp>
           <p:nvSpPr>
-            <p:cNvPr id="28" name="等腰三角形 27"/>
+            <p:cNvPr id="13" name="等腰三角形 12"/>
             <p:cNvSpPr/>
             <p:nvPr/>
           </p:nvSpPr>
           <p:spPr>
-            <a:xfrm rot="16200000" flipH="1">
-              <a:off x="6895568" y="3086884"/>
+            <a:xfrm rot="18900000" flipH="1">
+              <a:off x="6378350" y="2935596"/>
               <a:ext cx="737419" cy="545691"/>
             </a:xfrm>
             <a:prstGeom prst="triangle">
@@ -3172,6 +3942,9 @@
             <a:solidFill>
               <a:schemeClr val="bg1"/>
             </a:solidFill>
+            <a:ln>
+              <a:noFill/>
+            </a:ln>
           </p:spPr>
           <p:style>
             <a:lnRef idx="2">
@@ -3194,19 +3967,22 @@
             <a:lstStyle/>
             <a:p>
               <a:pPr algn="ctr"/>
-              <a:endParaRPr lang="zh-TW" altLang="en-US"/>
+              <a:endParaRPr lang="zh-TW" altLang="en-US">
+                <a:latin typeface="华文细黑" panose="02010600040101010101" pitchFamily="2" charset="-122"/>
+                <a:ea typeface="华文细黑" panose="02010600040101010101" pitchFamily="2" charset="-122"/>
+              </a:endParaRPr>
             </a:p>
           </p:txBody>
         </p:sp>
         <p:sp>
           <p:nvSpPr>
-            <p:cNvPr id="30" name="任意多边形 29"/>
+            <p:cNvPr id="14" name="任意多边形 13"/>
             <p:cNvSpPr/>
             <p:nvPr/>
           </p:nvSpPr>
           <p:spPr>
-            <a:xfrm>
-              <a:off x="5084970" y="2459730"/>
+            <a:xfrm rot="2700000">
+              <a:off x="5017733" y="1479114"/>
               <a:ext cx="1800000" cy="1800000"/>
             </a:xfrm>
             <a:custGeom>
@@ -3583,9 +4359,7 @@
               <a:schemeClr val="bg1"/>
             </a:solidFill>
             <a:ln w="101600">
-              <a:solidFill>
-                <a:schemeClr val="bg1"/>
-              </a:solidFill>
+              <a:noFill/>
             </a:ln>
           </p:spPr>
           <p:style>
@@ -3609,52 +4383,67 @@
             <a:lstStyle/>
             <a:p>
               <a:pPr algn="ctr"/>
-              <a:endParaRPr lang="zh-TW" altLang="en-US"/>
+              <a:endParaRPr lang="zh-TW" altLang="en-US">
+                <a:latin typeface="华文细黑" panose="02010600040101010101" pitchFamily="2" charset="-122"/>
+                <a:ea typeface="华文细黑" panose="02010600040101010101" pitchFamily="2" charset="-122"/>
+              </a:endParaRPr>
+            </a:p>
+          </p:txBody>
+        </p:sp>
+        <p:sp>
+          <p:nvSpPr>
+            <p:cNvPr id="15" name="矩形 14"/>
+            <p:cNvSpPr/>
+            <p:nvPr/>
+          </p:nvSpPr>
+          <p:spPr>
+            <a:xfrm rot="2711038">
+              <a:off x="5504487" y="1961279"/>
+              <a:ext cx="826492" cy="806175"/>
+            </a:xfrm>
+            <a:prstGeom prst="rect">
+              <a:avLst/>
+            </a:prstGeom>
+            <a:solidFill>
+              <a:schemeClr val="bg1"/>
+            </a:solidFill>
+            <a:ln>
+              <a:noFill/>
+            </a:ln>
+          </p:spPr>
+          <p:style>
+            <a:lnRef idx="2">
+              <a:schemeClr val="accent1">
+                <a:shade val="50000"/>
+              </a:schemeClr>
+            </a:lnRef>
+            <a:fillRef idx="1">
+              <a:schemeClr val="accent1"/>
+            </a:fillRef>
+            <a:effectRef idx="0">
+              <a:schemeClr val="accent1"/>
+            </a:effectRef>
+            <a:fontRef idx="minor">
+              <a:schemeClr val="lt1"/>
+            </a:fontRef>
+          </p:style>
+          <p:txBody>
+            <a:bodyPr rtlCol="0" anchor="ctr"/>
+            <a:lstStyle/>
+            <a:p>
+              <a:pPr algn="ctr"/>
+              <a:endParaRPr lang="zh-TW" altLang="en-US">
+                <a:latin typeface="华文细黑" panose="02010600040101010101" pitchFamily="2" charset="-122"/>
+                <a:ea typeface="华文细黑" panose="02010600040101010101" pitchFamily="2" charset="-122"/>
+              </a:endParaRPr>
             </a:p>
           </p:txBody>
         </p:sp>
       </p:grpSp>
-      <p:sp>
-        <p:nvSpPr>
-          <p:cNvPr id="35" name="文本框 34"/>
-          <p:cNvSpPr txBox="1"/>
-          <p:nvPr/>
-        </p:nvSpPr>
-        <p:spPr>
-          <a:xfrm>
-            <a:off x="3416582" y="4439385"/>
-            <a:ext cx="5002306" cy="1200329"/>
-          </a:xfrm>
-          <a:prstGeom prst="rect">
-            <a:avLst/>
-          </a:prstGeom>
-          <a:noFill/>
-        </p:spPr>
-        <p:txBody>
-          <a:bodyPr wrap="square" rtlCol="0">
-            <a:spAutoFit/>
-          </a:bodyPr>
-          <a:lstStyle/>
-          <a:p>
-            <a:pPr algn="ctr"/>
-            <a:r>
-              <a:rPr lang="en-US" altLang="zh-TW" sz="7200" dirty="0" smtClean="0">
-                <a:latin typeface="STXihei" panose="02010600040101010101" pitchFamily="2" charset="-122"/>
-                <a:ea typeface="STXihei" panose="02010600040101010101" pitchFamily="2" charset="-122"/>
-              </a:rPr>
-              <a:t>gatherhub</a:t>
-            </a:r>
-            <a:endParaRPr lang="zh-TW" altLang="en-US" sz="7200" dirty="0">
-              <a:latin typeface="STXihei" panose="02010600040101010101" pitchFamily="2" charset="-122"/>
-              <a:ea typeface="STXihei" panose="02010600040101010101" pitchFamily="2" charset="-122"/>
-            </a:endParaRPr>
-          </a:p>
-        </p:txBody>
-      </p:sp>
     </p:spTree>
     <p:extLst>
       <p:ext uri="{BB962C8B-B14F-4D97-AF65-F5344CB8AC3E}">
-        <p14:creationId xmlns:p14="http://schemas.microsoft.com/office/powerpoint/2010/main" val="3890688842"/>
+        <p14:creationId xmlns:p14="http://schemas.microsoft.com/office/powerpoint/2010/main" val="4248057024"/>
       </p:ext>
     </p:extLst>
   </p:cSld>

--- a/doc/Gatherhub Logo Design.pptx
+++ b/doc/Gatherhub Logo Design.pptx
@@ -2956,6 +2956,17 @@
 <file path=ppt/slides/slide1.xml><?xml version="1.0" encoding="utf-8"?>
 <p:sld xmlns:a="http://schemas.openxmlformats.org/drawingml/2006/main" xmlns:r="http://schemas.openxmlformats.org/officeDocument/2006/relationships" xmlns:p="http://schemas.openxmlformats.org/presentationml/2006/main">
   <p:cSld>
+    <p:bg>
+      <p:bgPr>
+        <a:solidFill>
+          <a:schemeClr val="accent4">
+            <a:lumMod val="40000"/>
+            <a:lumOff val="60000"/>
+          </a:schemeClr>
+        </a:solidFill>
+        <a:effectLst/>
+      </p:bgPr>
+    </p:bg>
     <p:spTree>
       <p:nvGrpSpPr>
         <p:cNvPr id="1" name=""/>
